--- a/Daily Agendas/Day17.1_WelcomeBack.pptx
+++ b/Daily Agendas/Day17.1_WelcomeBack.pptx
@@ -3557,11 +3557,7 @@
             <a:pPr lvl="2"/>
             <a:r>
               <a:rPr lang="en-CA" dirty="0" smtClean="0"/>
-              <a:t>Demo Whe</a:t>
-            </a:r>
-            <a:r>
-              <a:rPr lang="en-CA" dirty="0" smtClean="0"/>
-              <a:t>n You Are Finished</a:t>
+              <a:t>Demo When You Are Finished</a:t>
             </a:r>
             <a:endParaRPr lang="en-CA" dirty="0"/>
           </a:p>
@@ -3571,7 +3567,6 @@
               <a:rPr lang="en-CA" dirty="0" smtClean="0"/>
               <a:t>Marks Spreadsheet / Catch-Up</a:t>
             </a:r>
-            <a:endParaRPr lang="en-CA" dirty="0" smtClean="0"/>
           </a:p>
           <a:p>
             <a:pPr lvl="2"/>
@@ -3620,7 +3615,15 @@
             <a:pPr lvl="1"/>
             <a:r>
               <a:rPr lang="en-CA" sz="2400" dirty="0" smtClean="0"/>
-              <a:t>Fri, Jan 17 to Tue, Jan 23 : Summative (In Class)</a:t>
+              <a:t>Fri, Jan 17 to Tue, Jan </a:t>
+            </a:r>
+            <a:r>
+              <a:rPr lang="en-CA" sz="2400" dirty="0" smtClean="0"/>
+              <a:t>21 </a:t>
+            </a:r>
+            <a:r>
+              <a:rPr lang="en-CA" sz="2400" dirty="0" smtClean="0"/>
+              <a:t>: Summative (In Class)</a:t>
             </a:r>
           </a:p>
           <a:p>
